--- a/Documentation/Initial Pitch.pptx
+++ b/Documentation/Initial Pitch.pptx
@@ -125,6 +125,9 @@
         </p14:section>
       </p14:sectionLst>
     </p:ext>
+    <p:ext uri="{EFAFB233-063F-42B5-8137-9DF3F51BA10A}">
+      <p15:sldGuideLst xmlns:p15="http://schemas.microsoft.com/office/powerpoint/2012/main"/>
+    </p:ext>
   </p:extLst>
 </p:presentation>
 </file>
@@ -211,7 +214,7 @@
           <a:p>
             <a:fld id="{A8609085-76B1-4254-A464-CB54BBBD8208}" type="datetimeFigureOut">
               <a:rPr lang="en-GB" smtClean="0"/>
-              <a:t>28/02/2019</a:t>
+              <a:t>01/03/2019</a:t>
             </a:fld>
             <a:endParaRPr lang="en-GB"/>
           </a:p>
@@ -1048,7 +1051,7 @@
           <a:p>
             <a:fld id="{BFC5E85E-7E50-4E21-928F-D624F2AD8DD5}" type="datetimeFigureOut">
               <a:rPr lang="en-GB" smtClean="0"/>
-              <a:t>28/02/2019</a:t>
+              <a:t>01/03/2019</a:t>
             </a:fld>
             <a:endParaRPr lang="en-GB"/>
           </a:p>
@@ -1248,7 +1251,7 @@
           <a:p>
             <a:fld id="{BFC5E85E-7E50-4E21-928F-D624F2AD8DD5}" type="datetimeFigureOut">
               <a:rPr lang="en-GB" smtClean="0"/>
-              <a:t>28/02/2019</a:t>
+              <a:t>01/03/2019</a:t>
             </a:fld>
             <a:endParaRPr lang="en-GB"/>
           </a:p>
@@ -1458,7 +1461,7 @@
           <a:p>
             <a:fld id="{BFC5E85E-7E50-4E21-928F-D624F2AD8DD5}" type="datetimeFigureOut">
               <a:rPr lang="en-GB" smtClean="0"/>
-              <a:t>28/02/2019</a:t>
+              <a:t>01/03/2019</a:t>
             </a:fld>
             <a:endParaRPr lang="en-GB"/>
           </a:p>
@@ -1658,7 +1661,7 @@
           <a:p>
             <a:fld id="{BFC5E85E-7E50-4E21-928F-D624F2AD8DD5}" type="datetimeFigureOut">
               <a:rPr lang="en-GB" smtClean="0"/>
-              <a:t>28/02/2019</a:t>
+              <a:t>01/03/2019</a:t>
             </a:fld>
             <a:endParaRPr lang="en-GB"/>
           </a:p>
@@ -1934,7 +1937,7 @@
           <a:p>
             <a:fld id="{BFC5E85E-7E50-4E21-928F-D624F2AD8DD5}" type="datetimeFigureOut">
               <a:rPr lang="en-GB" smtClean="0"/>
-              <a:t>28/02/2019</a:t>
+              <a:t>01/03/2019</a:t>
             </a:fld>
             <a:endParaRPr lang="en-GB"/>
           </a:p>
@@ -2202,7 +2205,7 @@
           <a:p>
             <a:fld id="{BFC5E85E-7E50-4E21-928F-D624F2AD8DD5}" type="datetimeFigureOut">
               <a:rPr lang="en-GB" smtClean="0"/>
-              <a:t>28/02/2019</a:t>
+              <a:t>01/03/2019</a:t>
             </a:fld>
             <a:endParaRPr lang="en-GB"/>
           </a:p>
@@ -2617,7 +2620,7 @@
           <a:p>
             <a:fld id="{BFC5E85E-7E50-4E21-928F-D624F2AD8DD5}" type="datetimeFigureOut">
               <a:rPr lang="en-GB" smtClean="0"/>
-              <a:t>28/02/2019</a:t>
+              <a:t>01/03/2019</a:t>
             </a:fld>
             <a:endParaRPr lang="en-GB"/>
           </a:p>
@@ -2759,7 +2762,7 @@
           <a:p>
             <a:fld id="{BFC5E85E-7E50-4E21-928F-D624F2AD8DD5}" type="datetimeFigureOut">
               <a:rPr lang="en-GB" smtClean="0"/>
-              <a:t>28/02/2019</a:t>
+              <a:t>01/03/2019</a:t>
             </a:fld>
             <a:endParaRPr lang="en-GB"/>
           </a:p>
@@ -2872,7 +2875,7 @@
           <a:p>
             <a:fld id="{BFC5E85E-7E50-4E21-928F-D624F2AD8DD5}" type="datetimeFigureOut">
               <a:rPr lang="en-GB" smtClean="0"/>
-              <a:t>28/02/2019</a:t>
+              <a:t>01/03/2019</a:t>
             </a:fld>
             <a:endParaRPr lang="en-GB"/>
           </a:p>
@@ -3185,7 +3188,7 @@
           <a:p>
             <a:fld id="{BFC5E85E-7E50-4E21-928F-D624F2AD8DD5}" type="datetimeFigureOut">
               <a:rPr lang="en-GB" smtClean="0"/>
-              <a:t>28/02/2019</a:t>
+              <a:t>01/03/2019</a:t>
             </a:fld>
             <a:endParaRPr lang="en-GB"/>
           </a:p>
@@ -3474,7 +3477,7 @@
           <a:p>
             <a:fld id="{BFC5E85E-7E50-4E21-928F-D624F2AD8DD5}" type="datetimeFigureOut">
               <a:rPr lang="en-GB" smtClean="0"/>
-              <a:t>28/02/2019</a:t>
+              <a:t>01/03/2019</a:t>
             </a:fld>
             <a:endParaRPr lang="en-GB"/>
           </a:p>
@@ -3717,7 +3720,7 @@
           <a:p>
             <a:fld id="{BFC5E85E-7E50-4E21-928F-D624F2AD8DD5}" type="datetimeFigureOut">
               <a:rPr lang="en-GB" smtClean="0"/>
-              <a:t>28/02/2019</a:t>
+              <a:t>01/03/2019</a:t>
             </a:fld>
             <a:endParaRPr lang="en-GB"/>
           </a:p>
@@ -4617,15 +4620,15 @@
                   <a:schemeClr val="bg1"/>
                 </a:solidFill>
               </a:rPr>
-              <a:t>	Josh Donnell	 		Brittney </a:t>
-            </a:r>
-            <a:r>
-              <a:rPr lang="en-GB" sz="2800" dirty="0" err="1">
+              <a:t>	Josh Donnell	 		</a:t>
+            </a:r>
+            <a:r>
+              <a:rPr lang="en-GB" sz="2800">
                 <a:solidFill>
                   <a:schemeClr val="bg1"/>
                 </a:solidFill>
               </a:rPr>
-              <a:t>Sirname</a:t>
+              <a:t>Britney Smith</a:t>
             </a:r>
             <a:r>
               <a:rPr lang="en-GB" sz="2800" dirty="0">

--- a/Documentation/Initial Pitch.pptx
+++ b/Documentation/Initial Pitch.pptx
@@ -125,6 +125,9 @@
         </p14:section>
       </p14:sectionLst>
     </p:ext>
+    <p:ext uri="{EFAFB233-063F-42B5-8137-9DF3F51BA10A}">
+      <p15:sldGuideLst xmlns:p15="http://schemas.microsoft.com/office/powerpoint/2012/main"/>
+    </p:ext>
   </p:extLst>
 </p:presentation>
 </file>
@@ -211,7 +214,7 @@
           <a:p>
             <a:fld id="{A8609085-76B1-4254-A464-CB54BBBD8208}" type="datetimeFigureOut">
               <a:rPr lang="en-GB" smtClean="0"/>
-              <a:t>28/02/2019</a:t>
+              <a:t>01/03/2019</a:t>
             </a:fld>
             <a:endParaRPr lang="en-GB"/>
           </a:p>
@@ -1048,7 +1051,7 @@
           <a:p>
             <a:fld id="{BFC5E85E-7E50-4E21-928F-D624F2AD8DD5}" type="datetimeFigureOut">
               <a:rPr lang="en-GB" smtClean="0"/>
-              <a:t>28/02/2019</a:t>
+              <a:t>01/03/2019</a:t>
             </a:fld>
             <a:endParaRPr lang="en-GB"/>
           </a:p>
@@ -1248,7 +1251,7 @@
           <a:p>
             <a:fld id="{BFC5E85E-7E50-4E21-928F-D624F2AD8DD5}" type="datetimeFigureOut">
               <a:rPr lang="en-GB" smtClean="0"/>
-              <a:t>28/02/2019</a:t>
+              <a:t>01/03/2019</a:t>
             </a:fld>
             <a:endParaRPr lang="en-GB"/>
           </a:p>
@@ -1458,7 +1461,7 @@
           <a:p>
             <a:fld id="{BFC5E85E-7E50-4E21-928F-D624F2AD8DD5}" type="datetimeFigureOut">
               <a:rPr lang="en-GB" smtClean="0"/>
-              <a:t>28/02/2019</a:t>
+              <a:t>01/03/2019</a:t>
             </a:fld>
             <a:endParaRPr lang="en-GB"/>
           </a:p>
@@ -1658,7 +1661,7 @@
           <a:p>
             <a:fld id="{BFC5E85E-7E50-4E21-928F-D624F2AD8DD5}" type="datetimeFigureOut">
               <a:rPr lang="en-GB" smtClean="0"/>
-              <a:t>28/02/2019</a:t>
+              <a:t>01/03/2019</a:t>
             </a:fld>
             <a:endParaRPr lang="en-GB"/>
           </a:p>
@@ -1934,7 +1937,7 @@
           <a:p>
             <a:fld id="{BFC5E85E-7E50-4E21-928F-D624F2AD8DD5}" type="datetimeFigureOut">
               <a:rPr lang="en-GB" smtClean="0"/>
-              <a:t>28/02/2019</a:t>
+              <a:t>01/03/2019</a:t>
             </a:fld>
             <a:endParaRPr lang="en-GB"/>
           </a:p>
@@ -2202,7 +2205,7 @@
           <a:p>
             <a:fld id="{BFC5E85E-7E50-4E21-928F-D624F2AD8DD5}" type="datetimeFigureOut">
               <a:rPr lang="en-GB" smtClean="0"/>
-              <a:t>28/02/2019</a:t>
+              <a:t>01/03/2019</a:t>
             </a:fld>
             <a:endParaRPr lang="en-GB"/>
           </a:p>
@@ -2617,7 +2620,7 @@
           <a:p>
             <a:fld id="{BFC5E85E-7E50-4E21-928F-D624F2AD8DD5}" type="datetimeFigureOut">
               <a:rPr lang="en-GB" smtClean="0"/>
-              <a:t>28/02/2019</a:t>
+              <a:t>01/03/2019</a:t>
             </a:fld>
             <a:endParaRPr lang="en-GB"/>
           </a:p>
@@ -2759,7 +2762,7 @@
           <a:p>
             <a:fld id="{BFC5E85E-7E50-4E21-928F-D624F2AD8DD5}" type="datetimeFigureOut">
               <a:rPr lang="en-GB" smtClean="0"/>
-              <a:t>28/02/2019</a:t>
+              <a:t>01/03/2019</a:t>
             </a:fld>
             <a:endParaRPr lang="en-GB"/>
           </a:p>
@@ -2872,7 +2875,7 @@
           <a:p>
             <a:fld id="{BFC5E85E-7E50-4E21-928F-D624F2AD8DD5}" type="datetimeFigureOut">
               <a:rPr lang="en-GB" smtClean="0"/>
-              <a:t>28/02/2019</a:t>
+              <a:t>01/03/2019</a:t>
             </a:fld>
             <a:endParaRPr lang="en-GB"/>
           </a:p>
@@ -3185,7 +3188,7 @@
           <a:p>
             <a:fld id="{BFC5E85E-7E50-4E21-928F-D624F2AD8DD5}" type="datetimeFigureOut">
               <a:rPr lang="en-GB" smtClean="0"/>
-              <a:t>28/02/2019</a:t>
+              <a:t>01/03/2019</a:t>
             </a:fld>
             <a:endParaRPr lang="en-GB"/>
           </a:p>
@@ -3474,7 +3477,7 @@
           <a:p>
             <a:fld id="{BFC5E85E-7E50-4E21-928F-D624F2AD8DD5}" type="datetimeFigureOut">
               <a:rPr lang="en-GB" smtClean="0"/>
-              <a:t>28/02/2019</a:t>
+              <a:t>01/03/2019</a:t>
             </a:fld>
             <a:endParaRPr lang="en-GB"/>
           </a:p>
@@ -3717,7 +3720,7 @@
           <a:p>
             <a:fld id="{BFC5E85E-7E50-4E21-928F-D624F2AD8DD5}" type="datetimeFigureOut">
               <a:rPr lang="en-GB" smtClean="0"/>
-              <a:t>28/02/2019</a:t>
+              <a:t>01/03/2019</a:t>
             </a:fld>
             <a:endParaRPr lang="en-GB"/>
           </a:p>
@@ -4524,7 +4527,7 @@
                 <a:latin typeface="Bell MT" panose="02020503060305020303" pitchFamily="18" charset="0"/>
                 <a:cs typeface="Arabic Typesetting" panose="020B0604020202020204" pitchFamily="66" charset="-78"/>
               </a:rPr>
-              <a:t>Twisted Worlds</a:t>
+              <a:t>Group Project</a:t>
             </a:r>
           </a:p>
         </p:txBody>
@@ -4585,7 +4588,7 @@
         </p:nvSpPr>
         <p:spPr>
           <a:xfrm>
-            <a:off x="551543" y="3803543"/>
+            <a:off x="467744" y="3222172"/>
             <a:ext cx="11001828" cy="954107"/>
           </a:xfrm>
           <a:prstGeom prst="rect">
@@ -4617,23 +4620,7 @@
                   <a:schemeClr val="bg1"/>
                 </a:solidFill>
               </a:rPr>
-              <a:t>	Josh Donnell	 		Brittney </a:t>
-            </a:r>
-            <a:r>
-              <a:rPr lang="en-GB" sz="2800" dirty="0" err="1">
-                <a:solidFill>
-                  <a:schemeClr val="bg1"/>
-                </a:solidFill>
-              </a:rPr>
-              <a:t>Sirname</a:t>
-            </a:r>
-            <a:r>
-              <a:rPr lang="en-GB" sz="2800" dirty="0">
-                <a:solidFill>
-                  <a:schemeClr val="bg1"/>
-                </a:solidFill>
-              </a:rPr>
-              <a:t>	</a:t>
+              <a:t>	Josh Donnell			 Britney Smith	</a:t>
             </a:r>
           </a:p>
         </p:txBody>
@@ -4690,7 +4677,7 @@
         </p:nvGrpSpPr>
         <p:grpSpPr>
           <a:xfrm>
-            <a:off x="-2095501" y="-1802213"/>
+            <a:off x="-2095862" y="-1802214"/>
             <a:ext cx="16354695" cy="10940082"/>
             <a:chOff x="-3580181" y="-2577290"/>
             <a:chExt cx="19438880" cy="13003174"/>
@@ -4891,7 +4878,7 @@
         </p:nvSpPr>
         <p:spPr>
           <a:xfrm>
-            <a:off x="1103086" y="1030514"/>
+            <a:off x="1130799" y="838935"/>
             <a:ext cx="9956800" cy="1569660"/>
           </a:xfrm>
           <a:prstGeom prst="rect">
@@ -4914,7 +4901,7 @@
                 <a:latin typeface="Bell MT" panose="02020503060305020303" pitchFamily="18" charset="0"/>
                 <a:cs typeface="Arabic Typesetting" panose="020B0604020202020204" pitchFamily="66" charset="-78"/>
               </a:rPr>
-              <a:t>Brief Analysis</a:t>
+              <a:t>Twisted Worlds</a:t>
             </a:r>
           </a:p>
         </p:txBody>
@@ -4969,8 +4956,8 @@
         </p:nvSpPr>
         <p:spPr>
           <a:xfrm>
-            <a:off x="1103086" y="3380664"/>
-            <a:ext cx="3848130" cy="2308324"/>
+            <a:off x="960257" y="2096840"/>
+            <a:ext cx="6032499" cy="4401205"/>
           </a:xfrm>
           <a:prstGeom prst="rect">
             <a:avLst/>
@@ -4983,207 +4970,321 @@
           </a:bodyPr>
           <a:lstStyle/>
           <a:p>
-            <a:pPr marL="285750" indent="-285750">
+            <a:r>
+              <a:rPr lang="en-GB" sz="2000" u="sng" dirty="0">
+                <a:solidFill>
+                  <a:schemeClr val="bg1"/>
+                </a:solidFill>
+              </a:rPr>
+              <a:t>What Genre? </a:t>
+            </a:r>
+          </a:p>
+          <a:p>
+            <a:pPr marL="1200150" lvl="2" indent="-285750">
               <a:buFont typeface="Arial" panose="020B0604020202020204" pitchFamily="34" charset="0"/>
               <a:buChar char="•"/>
             </a:pPr>
+            <a:r>
+              <a:rPr lang="en-GB" sz="2000" dirty="0" err="1">
+                <a:solidFill>
+                  <a:schemeClr val="bg1"/>
+                </a:solidFill>
+              </a:rPr>
+              <a:t>Metroidvania</a:t>
+            </a:r>
+            <a:endParaRPr lang="en-GB" sz="2000" dirty="0">
+              <a:solidFill>
+                <a:schemeClr val="bg1"/>
+              </a:solidFill>
+            </a:endParaRPr>
+          </a:p>
+          <a:p>
+            <a:pPr marL="1200150" lvl="2" indent="-285750">
+              <a:buFont typeface="Arial" panose="020B0604020202020204" pitchFamily="34" charset="0"/>
+              <a:buChar char="•"/>
+            </a:pPr>
+            <a:r>
+              <a:rPr lang="en-GB" sz="2000" dirty="0">
+                <a:solidFill>
+                  <a:schemeClr val="bg1"/>
+                </a:solidFill>
+              </a:rPr>
+              <a:t>Iterative exploration</a:t>
+            </a:r>
+          </a:p>
+          <a:p>
+            <a:pPr marL="1200150" lvl="2" indent="-285750">
+              <a:buFont typeface="Arial" panose="020B0604020202020204" pitchFamily="34" charset="0"/>
+              <a:buChar char="•"/>
+            </a:pPr>
+            <a:endParaRPr lang="en-GB" sz="2000" dirty="0">
+              <a:solidFill>
+                <a:schemeClr val="bg1"/>
+              </a:solidFill>
+            </a:endParaRPr>
+          </a:p>
+          <a:p>
+            <a:r>
+              <a:rPr lang="en-GB" sz="2000" u="sng" dirty="0">
+                <a:solidFill>
+                  <a:schemeClr val="bg1"/>
+                </a:solidFill>
+              </a:rPr>
+              <a:t>What’s removed?</a:t>
+            </a:r>
+          </a:p>
+          <a:p>
+            <a:pPr marL="1200150" lvl="2" indent="-285750">
+              <a:buFont typeface="Arial" panose="020B0604020202020204" pitchFamily="34" charset="0"/>
+              <a:buChar char="•"/>
+            </a:pPr>
+            <a:r>
+              <a:rPr lang="en-GB" sz="2000" dirty="0">
+                <a:solidFill>
+                  <a:schemeClr val="bg1"/>
+                </a:solidFill>
+              </a:rPr>
+              <a:t>Upgrading Player Character</a:t>
+            </a:r>
+          </a:p>
+          <a:p>
+            <a:pPr marL="1200150" lvl="2" indent="-285750">
+              <a:buFont typeface="Arial" panose="020B0604020202020204" pitchFamily="34" charset="0"/>
+              <a:buChar char="•"/>
+            </a:pPr>
+            <a:endParaRPr lang="en-GB" sz="2000" dirty="0">
+              <a:solidFill>
+                <a:schemeClr val="bg1"/>
+              </a:solidFill>
+            </a:endParaRPr>
+          </a:p>
+          <a:p>
+            <a:r>
+              <a:rPr lang="en-GB" sz="2000" u="sng" dirty="0">
+                <a:solidFill>
+                  <a:schemeClr val="bg1"/>
+                </a:solidFill>
+              </a:rPr>
+              <a:t>What’s Added?</a:t>
+            </a:r>
+          </a:p>
+          <a:p>
+            <a:pPr marL="1200150" lvl="2" indent="-285750">
+              <a:buFont typeface="Arial" panose="020B0604020202020204" pitchFamily="34" charset="0"/>
+              <a:buChar char="•"/>
+            </a:pPr>
+            <a:r>
+              <a:rPr lang="en-GB" sz="2000" dirty="0">
+                <a:solidFill>
+                  <a:schemeClr val="bg1"/>
+                </a:solidFill>
+              </a:rPr>
+              <a:t>Changing World</a:t>
+            </a:r>
+          </a:p>
+          <a:p>
+            <a:pPr marL="1200150" lvl="2" indent="-285750">
+              <a:buFont typeface="Arial" panose="020B0604020202020204" pitchFamily="34" charset="0"/>
+              <a:buChar char="•"/>
+            </a:pPr>
+            <a:endParaRPr lang="en-GB" sz="2000" dirty="0">
+              <a:solidFill>
+                <a:schemeClr val="bg1"/>
+              </a:solidFill>
+            </a:endParaRPr>
+          </a:p>
+          <a:p>
+            <a:r>
+              <a:rPr lang="en-GB" sz="2000" u="sng" dirty="0">
+                <a:solidFill>
+                  <a:schemeClr val="bg1"/>
+                </a:solidFill>
+              </a:rPr>
+              <a:t>Emotions?</a:t>
+            </a:r>
+          </a:p>
+          <a:p>
+            <a:pPr marL="1200150" lvl="2" indent="-285750">
+              <a:buFont typeface="Arial" panose="020B0604020202020204" pitchFamily="34" charset="0"/>
+              <a:buChar char="•"/>
+            </a:pPr>
+            <a:r>
+              <a:rPr lang="en-GB" sz="2000" dirty="0">
+                <a:solidFill>
+                  <a:schemeClr val="bg1"/>
+                </a:solidFill>
+              </a:rPr>
+              <a:t>Wonder and Discovery</a:t>
+            </a:r>
+          </a:p>
+          <a:p>
+            <a:pPr marL="1200150" lvl="2" indent="-285750">
+              <a:buFont typeface="Arial" panose="020B0604020202020204" pitchFamily="34" charset="0"/>
+              <a:buChar char="•"/>
+            </a:pPr>
+            <a:r>
+              <a:rPr lang="en-GB" sz="2000" dirty="0">
+                <a:solidFill>
+                  <a:schemeClr val="bg1"/>
+                </a:solidFill>
+              </a:rPr>
+              <a:t>Using Visuals and Audio</a:t>
+            </a:r>
+          </a:p>
+          <a:p>
+            <a:pPr marL="1200150" lvl="2" indent="-285750">
+              <a:buFont typeface="Arial" panose="020B0604020202020204" pitchFamily="34" charset="0"/>
+              <a:buChar char="•"/>
+            </a:pPr>
+            <a:r>
+              <a:rPr lang="en-GB" sz="2000" dirty="0">
+                <a:solidFill>
+                  <a:schemeClr val="bg1"/>
+                </a:solidFill>
+              </a:rPr>
+              <a:t>3 World themes</a:t>
+            </a:r>
+          </a:p>
+        </p:txBody>
+      </p:sp>
+      <p:sp>
+        <p:nvSpPr>
+          <p:cNvPr id="10" name="TextBox 9">
+            <a:extLst>
+              <a:ext uri="{FF2B5EF4-FFF2-40B4-BE49-F238E27FC236}">
+                <a16:creationId xmlns:a16="http://schemas.microsoft.com/office/drawing/2014/main" id="{A029F733-C69F-46AD-962C-8E62605861EB}"/>
+              </a:ext>
+            </a:extLst>
+          </p:cNvPr>
+          <p:cNvSpPr txBox="1"/>
+          <p:nvPr/>
+        </p:nvSpPr>
+        <p:spPr>
+          <a:xfrm>
+            <a:off x="8180957" y="2968869"/>
+            <a:ext cx="2153533" cy="646331"/>
+          </a:xfrm>
+          <a:prstGeom prst="rect">
+            <a:avLst/>
+          </a:prstGeom>
+          <a:noFill/>
+        </p:spPr>
+        <p:txBody>
+          <a:bodyPr wrap="square" rtlCol="0">
+            <a:spAutoFit/>
+          </a:bodyPr>
+          <a:lstStyle/>
+          <a:p>
+            <a:pPr algn="ctr"/>
             <a:r>
               <a:rPr lang="en-GB" sz="3600" dirty="0">
                 <a:solidFill>
                   <a:schemeClr val="bg1"/>
                 </a:solidFill>
               </a:rPr>
-              <a:t>What Genre?</a:t>
-            </a:r>
-          </a:p>
-          <a:p>
-            <a:pPr marL="285750" indent="-285750">
-              <a:buFont typeface="Arial" panose="020B0604020202020204" pitchFamily="34" charset="0"/>
-              <a:buChar char="•"/>
-            </a:pPr>
+              <a:t>Explore</a:t>
+            </a:r>
+          </a:p>
+        </p:txBody>
+      </p:sp>
+      <p:sp>
+        <p:nvSpPr>
+          <p:cNvPr id="21" name="TextBox 20">
+            <a:extLst>
+              <a:ext uri="{FF2B5EF4-FFF2-40B4-BE49-F238E27FC236}">
+                <a16:creationId xmlns:a16="http://schemas.microsoft.com/office/drawing/2014/main" id="{46093B97-7C91-4908-BD92-E104AC955A32}"/>
+              </a:ext>
+            </a:extLst>
+          </p:cNvPr>
+          <p:cNvSpPr txBox="1"/>
+          <p:nvPr/>
+        </p:nvSpPr>
+        <p:spPr>
+          <a:xfrm>
+            <a:off x="9818799" y="4602351"/>
+            <a:ext cx="2110463" cy="1200329"/>
+          </a:xfrm>
+          <a:prstGeom prst="rect">
+            <a:avLst/>
+          </a:prstGeom>
+          <a:noFill/>
+        </p:spPr>
+        <p:txBody>
+          <a:bodyPr wrap="square" rtlCol="0">
+            <a:spAutoFit/>
+          </a:bodyPr>
+          <a:lstStyle/>
+          <a:p>
             <a:r>
               <a:rPr lang="en-GB" sz="3600" dirty="0">
                 <a:solidFill>
                   <a:schemeClr val="bg1"/>
                 </a:solidFill>
               </a:rPr>
-              <a:t>What’s removed?</a:t>
-            </a:r>
-          </a:p>
-          <a:p>
-            <a:pPr marL="285750" indent="-285750">
-              <a:buFont typeface="Arial" panose="020B0604020202020204" pitchFamily="34" charset="0"/>
-              <a:buChar char="•"/>
-            </a:pPr>
+              <a:t>Find </a:t>
+            </a:r>
+            <a:r>
+              <a:rPr lang="en-GB" sz="3600" dirty="0" err="1">
+                <a:solidFill>
+                  <a:schemeClr val="bg1"/>
+                </a:solidFill>
+              </a:rPr>
+              <a:t>Artifact</a:t>
+            </a:r>
+            <a:endParaRPr lang="en-GB" sz="3600" dirty="0">
+              <a:solidFill>
+                <a:schemeClr val="bg1"/>
+              </a:solidFill>
+            </a:endParaRPr>
+          </a:p>
+        </p:txBody>
+      </p:sp>
+      <p:sp>
+        <p:nvSpPr>
+          <p:cNvPr id="22" name="TextBox 21">
+            <a:extLst>
+              <a:ext uri="{FF2B5EF4-FFF2-40B4-BE49-F238E27FC236}">
+                <a16:creationId xmlns:a16="http://schemas.microsoft.com/office/drawing/2014/main" id="{C457F571-70D7-42E3-95DD-816956F5135F}"/>
+              </a:ext>
+            </a:extLst>
+          </p:cNvPr>
+          <p:cNvSpPr txBox="1"/>
+          <p:nvPr/>
+        </p:nvSpPr>
+        <p:spPr>
+          <a:xfrm>
+            <a:off x="6463878" y="4602352"/>
+            <a:ext cx="2526300" cy="1200329"/>
+          </a:xfrm>
+          <a:prstGeom prst="rect">
+            <a:avLst/>
+          </a:prstGeom>
+          <a:noFill/>
+        </p:spPr>
+        <p:txBody>
+          <a:bodyPr wrap="square" rtlCol="0">
+            <a:spAutoFit/>
+          </a:bodyPr>
+          <a:lstStyle/>
+          <a:p>
+            <a:pPr algn="ctr"/>
             <a:r>
               <a:rPr lang="en-GB" sz="3600" dirty="0">
                 <a:solidFill>
                   <a:schemeClr val="bg1"/>
                 </a:solidFill>
               </a:rPr>
-              <a:t>What’s Added?</a:t>
-            </a:r>
-          </a:p>
-          <a:p>
-            <a:pPr marL="285750" indent="-285750">
-              <a:buFont typeface="Arial" panose="020B0604020202020204" pitchFamily="34" charset="0"/>
-              <a:buChar char="•"/>
-            </a:pPr>
-            <a:r>
-              <a:rPr lang="en-GB" sz="3600" dirty="0">
-                <a:solidFill>
-                  <a:schemeClr val="bg1"/>
-                </a:solidFill>
-              </a:rPr>
-              <a:t>Emotions</a:t>
-            </a:r>
-          </a:p>
-        </p:txBody>
-      </p:sp>
-      <p:sp>
-        <p:nvSpPr>
-          <p:cNvPr id="5" name="Oval 4">
-            <a:extLst>
-              <a:ext uri="{FF2B5EF4-FFF2-40B4-BE49-F238E27FC236}">
-                <a16:creationId xmlns:a16="http://schemas.microsoft.com/office/drawing/2014/main" id="{ACC4D6E1-713B-428A-B3D4-B91DAD149EEC}"/>
-              </a:ext>
-            </a:extLst>
-          </p:cNvPr>
-          <p:cNvSpPr/>
-          <p:nvPr/>
-        </p:nvSpPr>
-        <p:spPr>
-          <a:xfrm>
-            <a:off x="8548914" y="2757714"/>
-            <a:ext cx="1364343" cy="1364343"/>
-          </a:xfrm>
-          <a:prstGeom prst="ellipse">
-            <a:avLst/>
-          </a:prstGeom>
-        </p:spPr>
-        <p:style>
-          <a:lnRef idx="2">
-            <a:schemeClr val="accent1">
-              <a:shade val="50000"/>
-            </a:schemeClr>
-          </a:lnRef>
-          <a:fillRef idx="1">
-            <a:schemeClr val="accent1"/>
-          </a:fillRef>
-          <a:effectRef idx="0">
-            <a:schemeClr val="accent1"/>
-          </a:effectRef>
-          <a:fontRef idx="minor">
-            <a:schemeClr val="lt1"/>
-          </a:fontRef>
-        </p:style>
-        <p:txBody>
-          <a:bodyPr rtlCol="0" anchor="ctr"/>
-          <a:lstStyle/>
-          <a:p>
-            <a:pPr algn="ctr"/>
-            <a:endParaRPr lang="en-GB"/>
-          </a:p>
-        </p:txBody>
-      </p:sp>
-      <p:sp>
-        <p:nvSpPr>
-          <p:cNvPr id="24" name="Oval 23">
-            <a:extLst>
-              <a:ext uri="{FF2B5EF4-FFF2-40B4-BE49-F238E27FC236}">
-                <a16:creationId xmlns:a16="http://schemas.microsoft.com/office/drawing/2014/main" id="{A292A169-08C7-42AC-8752-F48C5FB38C75}"/>
-              </a:ext>
-            </a:extLst>
-          </p:cNvPr>
-          <p:cNvSpPr/>
-          <p:nvPr/>
-        </p:nvSpPr>
-        <p:spPr>
-          <a:xfrm>
-            <a:off x="9751690" y="4532744"/>
-            <a:ext cx="1364343" cy="1364343"/>
-          </a:xfrm>
-          <a:prstGeom prst="ellipse">
-            <a:avLst/>
-          </a:prstGeom>
-        </p:spPr>
-        <p:style>
-          <a:lnRef idx="2">
-            <a:schemeClr val="accent1">
-              <a:shade val="50000"/>
-            </a:schemeClr>
-          </a:lnRef>
-          <a:fillRef idx="1">
-            <a:schemeClr val="accent1"/>
-          </a:fillRef>
-          <a:effectRef idx="0">
-            <a:schemeClr val="accent1"/>
-          </a:effectRef>
-          <a:fontRef idx="minor">
-            <a:schemeClr val="lt1"/>
-          </a:fontRef>
-        </p:style>
-        <p:txBody>
-          <a:bodyPr rtlCol="0" anchor="ctr"/>
-          <a:lstStyle/>
-          <a:p>
-            <a:pPr algn="ctr"/>
-            <a:endParaRPr lang="en-GB" dirty="0"/>
-          </a:p>
-        </p:txBody>
-      </p:sp>
-      <p:sp>
-        <p:nvSpPr>
-          <p:cNvPr id="28" name="Oval 27">
-            <a:extLst>
-              <a:ext uri="{FF2B5EF4-FFF2-40B4-BE49-F238E27FC236}">
-                <a16:creationId xmlns:a16="http://schemas.microsoft.com/office/drawing/2014/main" id="{0A53FB84-3B74-4E66-A124-4EE88B3F8EFB}"/>
-              </a:ext>
-            </a:extLst>
-          </p:cNvPr>
-          <p:cNvSpPr/>
-          <p:nvPr/>
-        </p:nvSpPr>
-        <p:spPr>
-          <a:xfrm>
-            <a:off x="7453120" y="4463143"/>
-            <a:ext cx="1364343" cy="1364343"/>
-          </a:xfrm>
-          <a:prstGeom prst="ellipse">
-            <a:avLst/>
-          </a:prstGeom>
-        </p:spPr>
-        <p:style>
-          <a:lnRef idx="2">
-            <a:schemeClr val="accent1">
-              <a:shade val="50000"/>
-            </a:schemeClr>
-          </a:lnRef>
-          <a:fillRef idx="1">
-            <a:schemeClr val="accent1"/>
-          </a:fillRef>
-          <a:effectRef idx="0">
-            <a:schemeClr val="accent1"/>
-          </a:effectRef>
-          <a:fontRef idx="minor">
-            <a:schemeClr val="lt1"/>
-          </a:fontRef>
-        </p:style>
-        <p:txBody>
-          <a:bodyPr rtlCol="0" anchor="ctr"/>
-          <a:lstStyle/>
-          <a:p>
-            <a:pPr algn="ctr"/>
-            <a:endParaRPr lang="en-GB"/>
+              <a:t>Re-discover World</a:t>
+            </a:r>
           </a:p>
         </p:txBody>
       </p:sp>
       <p:cxnSp>
         <p:nvCxnSpPr>
-          <p:cNvPr id="12" name="Straight Arrow Connector 11">
-            <a:extLst>
-              <a:ext uri="{FF2B5EF4-FFF2-40B4-BE49-F238E27FC236}">
-                <a16:creationId xmlns:a16="http://schemas.microsoft.com/office/drawing/2014/main" id="{E37D4060-4609-4D34-BFA4-ECBDB52C65BD}"/>
+          <p:cNvPr id="26" name="Straight Arrow Connector 25">
+            <a:extLst>
+              <a:ext uri="{FF2B5EF4-FFF2-40B4-BE49-F238E27FC236}">
+                <a16:creationId xmlns:a16="http://schemas.microsoft.com/office/drawing/2014/main" id="{B1E21C30-01A5-4502-9E59-6BCAE0EF9ADE}"/>
               </a:ext>
             </a:extLst>
           </p:cNvPr>
@@ -5193,14 +5294,17 @@
           <p:nvPr/>
         </p:nvCxnSpPr>
         <p:spPr>
-          <a:xfrm flipV="1">
-            <a:off x="8447314" y="4005263"/>
-            <a:ext cx="397265" cy="527481"/>
+          <a:xfrm flipH="1">
+            <a:off x="8765580" y="5310855"/>
+            <a:ext cx="984285" cy="0"/>
           </a:xfrm>
           <a:prstGeom prst="straightConnector1">
             <a:avLst/>
           </a:prstGeom>
-          <a:ln w="50800">
+          <a:ln w="63500">
+            <a:solidFill>
+              <a:srgbClr val="F8F8F8"/>
+            </a:solidFill>
             <a:tailEnd type="triangle"/>
           </a:ln>
         </p:spPr>
@@ -5221,10 +5325,10 @@
       </p:cxnSp>
       <p:cxnSp>
         <p:nvCxnSpPr>
-          <p:cNvPr id="20" name="Straight Arrow Connector 19">
-            <a:extLst>
-              <a:ext uri="{FF2B5EF4-FFF2-40B4-BE49-F238E27FC236}">
-                <a16:creationId xmlns:a16="http://schemas.microsoft.com/office/drawing/2014/main" id="{9F73D3F1-DE59-49AD-95E1-38084E6A9857}"/>
+          <p:cNvPr id="29" name="Straight Arrow Connector 28">
+            <a:extLst>
+              <a:ext uri="{FF2B5EF4-FFF2-40B4-BE49-F238E27FC236}">
+                <a16:creationId xmlns:a16="http://schemas.microsoft.com/office/drawing/2014/main" id="{13797A81-D6E9-4CA1-AA43-11E17B5615D9}"/>
               </a:ext>
             </a:extLst>
           </p:cNvPr>
@@ -5234,14 +5338,17 @@
           <p:nvPr/>
         </p:nvCxnSpPr>
         <p:spPr>
-          <a:xfrm>
-            <a:off x="9639300" y="4005263"/>
-            <a:ext cx="452438" cy="597082"/>
+          <a:xfrm flipV="1">
+            <a:off x="8271046" y="3809462"/>
+            <a:ext cx="573174" cy="737461"/>
           </a:xfrm>
           <a:prstGeom prst="straightConnector1">
             <a:avLst/>
           </a:prstGeom>
-          <a:ln w="50800">
+          <a:ln w="63500">
+            <a:solidFill>
+              <a:srgbClr val="F8F8F8"/>
+            </a:solidFill>
             <a:tailEnd type="triangle"/>
           </a:ln>
         </p:spPr>
@@ -5262,28 +5369,30 @@
       </p:cxnSp>
       <p:cxnSp>
         <p:nvCxnSpPr>
-          <p:cNvPr id="31" name="Straight Arrow Connector 30">
-            <a:extLst>
-              <a:ext uri="{FF2B5EF4-FFF2-40B4-BE49-F238E27FC236}">
-                <a16:creationId xmlns:a16="http://schemas.microsoft.com/office/drawing/2014/main" id="{2E789BF5-3CE3-4867-9D71-1F009C72AF51}"/>
+          <p:cNvPr id="32" name="Straight Arrow Connector 31">
+            <a:extLst>
+              <a:ext uri="{FF2B5EF4-FFF2-40B4-BE49-F238E27FC236}">
+                <a16:creationId xmlns:a16="http://schemas.microsoft.com/office/drawing/2014/main" id="{1902295E-4B64-4941-94D6-F822289E2126}"/>
               </a:ext>
             </a:extLst>
           </p:cNvPr>
           <p:cNvCxnSpPr>
             <a:cxnSpLocks/>
-            <a:stCxn id="24" idx="2"/>
           </p:cNvCxnSpPr>
           <p:nvPr/>
         </p:nvCxnSpPr>
         <p:spPr>
-          <a:xfrm flipH="1" flipV="1">
-            <a:off x="8817463" y="5214915"/>
-            <a:ext cx="934227" cy="1"/>
+          <a:xfrm>
+            <a:off x="9571724" y="3795268"/>
+            <a:ext cx="551429" cy="743652"/>
           </a:xfrm>
           <a:prstGeom prst="straightConnector1">
             <a:avLst/>
           </a:prstGeom>
-          <a:ln w="50800">
+          <a:ln w="63500">
+            <a:solidFill>
+              <a:srgbClr val="F8F8F8"/>
+            </a:solidFill>
             <a:tailEnd type="triangle"/>
           </a:ln>
         </p:spPr>
@@ -5312,6 +5421,452 @@
   <p:clrMapOvr>
     <a:masterClrMapping/>
   </p:clrMapOvr>
+  <p:timing>
+    <p:tnLst>
+      <p:par>
+        <p:cTn id="1" dur="indefinite" restart="never" nodeType="tmRoot">
+          <p:childTnLst>
+            <p:seq concurrent="1" nextAc="seek">
+              <p:cTn id="2" dur="indefinite" nodeType="mainSeq">
+                <p:childTnLst>
+                  <p:par>
+                    <p:cTn id="3" fill="hold">
+                      <p:stCondLst>
+                        <p:cond delay="indefinite"/>
+                      </p:stCondLst>
+                      <p:childTnLst>
+                        <p:par>
+                          <p:cTn id="4" fill="hold">
+                            <p:stCondLst>
+                              <p:cond delay="0"/>
+                            </p:stCondLst>
+                            <p:childTnLst>
+                              <p:par>
+                                <p:cTn id="5" presetID="1" presetClass="entr" presetSubtype="0" fill="hold" grpId="0" nodeType="clickEffect">
+                                  <p:stCondLst>
+                                    <p:cond delay="0"/>
+                                  </p:stCondLst>
+                                  <p:childTnLst>
+                                    <p:set>
+                                      <p:cBhvr>
+                                        <p:cTn id="6" dur="1" fill="hold">
+                                          <p:stCondLst>
+                                            <p:cond delay="0"/>
+                                          </p:stCondLst>
+                                        </p:cTn>
+                                        <p:tgtEl>
+                                          <p:spTgt spid="3">
+                                            <p:txEl>
+                                              <p:pRg st="0" end="0"/>
+                                            </p:txEl>
+                                          </p:spTgt>
+                                        </p:tgtEl>
+                                        <p:attrNameLst>
+                                          <p:attrName>style.visibility</p:attrName>
+                                        </p:attrNameLst>
+                                      </p:cBhvr>
+                                      <p:to>
+                                        <p:strVal val="visible"/>
+                                      </p:to>
+                                    </p:set>
+                                  </p:childTnLst>
+                                </p:cTn>
+                              </p:par>
+                              <p:par>
+                                <p:cTn id="7" presetID="1" presetClass="entr" presetSubtype="0" fill="hold" grpId="0" nodeType="withEffect">
+                                  <p:stCondLst>
+                                    <p:cond delay="0"/>
+                                  </p:stCondLst>
+                                  <p:childTnLst>
+                                    <p:set>
+                                      <p:cBhvr>
+                                        <p:cTn id="8" dur="1" fill="hold">
+                                          <p:stCondLst>
+                                            <p:cond delay="0"/>
+                                          </p:stCondLst>
+                                        </p:cTn>
+                                        <p:tgtEl>
+                                          <p:spTgt spid="3">
+                                            <p:txEl>
+                                              <p:pRg st="1" end="1"/>
+                                            </p:txEl>
+                                          </p:spTgt>
+                                        </p:tgtEl>
+                                        <p:attrNameLst>
+                                          <p:attrName>style.visibility</p:attrName>
+                                        </p:attrNameLst>
+                                      </p:cBhvr>
+                                      <p:to>
+                                        <p:strVal val="visible"/>
+                                      </p:to>
+                                    </p:set>
+                                  </p:childTnLst>
+                                </p:cTn>
+                              </p:par>
+                              <p:par>
+                                <p:cTn id="9" presetID="1" presetClass="entr" presetSubtype="0" fill="hold" grpId="0" nodeType="withEffect">
+                                  <p:stCondLst>
+                                    <p:cond delay="0"/>
+                                  </p:stCondLst>
+                                  <p:childTnLst>
+                                    <p:set>
+                                      <p:cBhvr>
+                                        <p:cTn id="10" dur="1" fill="hold">
+                                          <p:stCondLst>
+                                            <p:cond delay="0"/>
+                                          </p:stCondLst>
+                                        </p:cTn>
+                                        <p:tgtEl>
+                                          <p:spTgt spid="3">
+                                            <p:txEl>
+                                              <p:pRg st="2" end="2"/>
+                                            </p:txEl>
+                                          </p:spTgt>
+                                        </p:tgtEl>
+                                        <p:attrNameLst>
+                                          <p:attrName>style.visibility</p:attrName>
+                                        </p:attrNameLst>
+                                      </p:cBhvr>
+                                      <p:to>
+                                        <p:strVal val="visible"/>
+                                      </p:to>
+                                    </p:set>
+                                  </p:childTnLst>
+                                </p:cTn>
+                              </p:par>
+                            </p:childTnLst>
+                          </p:cTn>
+                        </p:par>
+                      </p:childTnLst>
+                    </p:cTn>
+                  </p:par>
+                  <p:par>
+                    <p:cTn id="11" fill="hold">
+                      <p:stCondLst>
+                        <p:cond delay="indefinite"/>
+                      </p:stCondLst>
+                      <p:childTnLst>
+                        <p:par>
+                          <p:cTn id="12" fill="hold">
+                            <p:stCondLst>
+                              <p:cond delay="0"/>
+                            </p:stCondLst>
+                            <p:childTnLst>
+                              <p:par>
+                                <p:cTn id="13" presetID="1" presetClass="entr" presetSubtype="0" fill="hold" grpId="0" nodeType="clickEffect">
+                                  <p:stCondLst>
+                                    <p:cond delay="0"/>
+                                  </p:stCondLst>
+                                  <p:childTnLst>
+                                    <p:set>
+                                      <p:cBhvr>
+                                        <p:cTn id="14" dur="1" fill="hold">
+                                          <p:stCondLst>
+                                            <p:cond delay="0"/>
+                                          </p:stCondLst>
+                                        </p:cTn>
+                                        <p:tgtEl>
+                                          <p:spTgt spid="3">
+                                            <p:txEl>
+                                              <p:pRg st="4" end="4"/>
+                                            </p:txEl>
+                                          </p:spTgt>
+                                        </p:tgtEl>
+                                        <p:attrNameLst>
+                                          <p:attrName>style.visibility</p:attrName>
+                                        </p:attrNameLst>
+                                      </p:cBhvr>
+                                      <p:to>
+                                        <p:strVal val="visible"/>
+                                      </p:to>
+                                    </p:set>
+                                  </p:childTnLst>
+                                </p:cTn>
+                              </p:par>
+                              <p:par>
+                                <p:cTn id="15" presetID="1" presetClass="entr" presetSubtype="0" fill="hold" grpId="0" nodeType="withEffect">
+                                  <p:stCondLst>
+                                    <p:cond delay="0"/>
+                                  </p:stCondLst>
+                                  <p:childTnLst>
+                                    <p:set>
+                                      <p:cBhvr>
+                                        <p:cTn id="16" dur="1" fill="hold">
+                                          <p:stCondLst>
+                                            <p:cond delay="0"/>
+                                          </p:stCondLst>
+                                        </p:cTn>
+                                        <p:tgtEl>
+                                          <p:spTgt spid="3">
+                                            <p:txEl>
+                                              <p:pRg st="5" end="5"/>
+                                            </p:txEl>
+                                          </p:spTgt>
+                                        </p:tgtEl>
+                                        <p:attrNameLst>
+                                          <p:attrName>style.visibility</p:attrName>
+                                        </p:attrNameLst>
+                                      </p:cBhvr>
+                                      <p:to>
+                                        <p:strVal val="visible"/>
+                                      </p:to>
+                                    </p:set>
+                                  </p:childTnLst>
+                                </p:cTn>
+                              </p:par>
+                            </p:childTnLst>
+                          </p:cTn>
+                        </p:par>
+                      </p:childTnLst>
+                    </p:cTn>
+                  </p:par>
+                  <p:par>
+                    <p:cTn id="17" fill="hold">
+                      <p:stCondLst>
+                        <p:cond delay="indefinite"/>
+                      </p:stCondLst>
+                      <p:childTnLst>
+                        <p:par>
+                          <p:cTn id="18" fill="hold">
+                            <p:stCondLst>
+                              <p:cond delay="0"/>
+                            </p:stCondLst>
+                            <p:childTnLst>
+                              <p:par>
+                                <p:cTn id="19" presetID="1" presetClass="entr" presetSubtype="0" fill="hold" grpId="0" nodeType="clickEffect">
+                                  <p:stCondLst>
+                                    <p:cond delay="0"/>
+                                  </p:stCondLst>
+                                  <p:childTnLst>
+                                    <p:set>
+                                      <p:cBhvr>
+                                        <p:cTn id="20" dur="1" fill="hold">
+                                          <p:stCondLst>
+                                            <p:cond delay="0"/>
+                                          </p:stCondLst>
+                                        </p:cTn>
+                                        <p:tgtEl>
+                                          <p:spTgt spid="3">
+                                            <p:txEl>
+                                              <p:pRg st="7" end="7"/>
+                                            </p:txEl>
+                                          </p:spTgt>
+                                        </p:tgtEl>
+                                        <p:attrNameLst>
+                                          <p:attrName>style.visibility</p:attrName>
+                                        </p:attrNameLst>
+                                      </p:cBhvr>
+                                      <p:to>
+                                        <p:strVal val="visible"/>
+                                      </p:to>
+                                    </p:set>
+                                  </p:childTnLst>
+                                </p:cTn>
+                              </p:par>
+                              <p:par>
+                                <p:cTn id="21" presetID="1" presetClass="entr" presetSubtype="0" fill="hold" grpId="0" nodeType="withEffect">
+                                  <p:stCondLst>
+                                    <p:cond delay="0"/>
+                                  </p:stCondLst>
+                                  <p:childTnLst>
+                                    <p:set>
+                                      <p:cBhvr>
+                                        <p:cTn id="22" dur="1" fill="hold">
+                                          <p:stCondLst>
+                                            <p:cond delay="0"/>
+                                          </p:stCondLst>
+                                        </p:cTn>
+                                        <p:tgtEl>
+                                          <p:spTgt spid="3">
+                                            <p:txEl>
+                                              <p:pRg st="8" end="8"/>
+                                            </p:txEl>
+                                          </p:spTgt>
+                                        </p:tgtEl>
+                                        <p:attrNameLst>
+                                          <p:attrName>style.visibility</p:attrName>
+                                        </p:attrNameLst>
+                                      </p:cBhvr>
+                                      <p:to>
+                                        <p:strVal val="visible"/>
+                                      </p:to>
+                                    </p:set>
+                                  </p:childTnLst>
+                                </p:cTn>
+                              </p:par>
+                            </p:childTnLst>
+                          </p:cTn>
+                        </p:par>
+                      </p:childTnLst>
+                    </p:cTn>
+                  </p:par>
+                  <p:par>
+                    <p:cTn id="23" fill="hold">
+                      <p:stCondLst>
+                        <p:cond delay="indefinite"/>
+                      </p:stCondLst>
+                      <p:childTnLst>
+                        <p:par>
+                          <p:cTn id="24" fill="hold">
+                            <p:stCondLst>
+                              <p:cond delay="0"/>
+                            </p:stCondLst>
+                            <p:childTnLst>
+                              <p:par>
+                                <p:cTn id="25" presetID="1" presetClass="entr" presetSubtype="0" fill="hold" grpId="0" nodeType="clickEffect">
+                                  <p:stCondLst>
+                                    <p:cond delay="0"/>
+                                  </p:stCondLst>
+                                  <p:childTnLst>
+                                    <p:set>
+                                      <p:cBhvr>
+                                        <p:cTn id="26" dur="1" fill="hold">
+                                          <p:stCondLst>
+                                            <p:cond delay="0"/>
+                                          </p:stCondLst>
+                                        </p:cTn>
+                                        <p:tgtEl>
+                                          <p:spTgt spid="3">
+                                            <p:txEl>
+                                              <p:pRg st="10" end="10"/>
+                                            </p:txEl>
+                                          </p:spTgt>
+                                        </p:tgtEl>
+                                        <p:attrNameLst>
+                                          <p:attrName>style.visibility</p:attrName>
+                                        </p:attrNameLst>
+                                      </p:cBhvr>
+                                      <p:to>
+                                        <p:strVal val="visible"/>
+                                      </p:to>
+                                    </p:set>
+                                  </p:childTnLst>
+                                </p:cTn>
+                              </p:par>
+                              <p:par>
+                                <p:cTn id="27" presetID="1" presetClass="entr" presetSubtype="0" fill="hold" grpId="0" nodeType="withEffect">
+                                  <p:stCondLst>
+                                    <p:cond delay="0"/>
+                                  </p:stCondLst>
+                                  <p:childTnLst>
+                                    <p:set>
+                                      <p:cBhvr>
+                                        <p:cTn id="28" dur="1" fill="hold">
+                                          <p:stCondLst>
+                                            <p:cond delay="0"/>
+                                          </p:stCondLst>
+                                        </p:cTn>
+                                        <p:tgtEl>
+                                          <p:spTgt spid="3">
+                                            <p:txEl>
+                                              <p:pRg st="11" end="11"/>
+                                            </p:txEl>
+                                          </p:spTgt>
+                                        </p:tgtEl>
+                                        <p:attrNameLst>
+                                          <p:attrName>style.visibility</p:attrName>
+                                        </p:attrNameLst>
+                                      </p:cBhvr>
+                                      <p:to>
+                                        <p:strVal val="visible"/>
+                                      </p:to>
+                                    </p:set>
+                                  </p:childTnLst>
+                                </p:cTn>
+                              </p:par>
+                              <p:par>
+                                <p:cTn id="29" presetID="1" presetClass="entr" presetSubtype="0" fill="hold" grpId="0" nodeType="withEffect">
+                                  <p:stCondLst>
+                                    <p:cond delay="0"/>
+                                  </p:stCondLst>
+                                  <p:childTnLst>
+                                    <p:set>
+                                      <p:cBhvr>
+                                        <p:cTn id="30" dur="1" fill="hold">
+                                          <p:stCondLst>
+                                            <p:cond delay="0"/>
+                                          </p:stCondLst>
+                                        </p:cTn>
+                                        <p:tgtEl>
+                                          <p:spTgt spid="3">
+                                            <p:txEl>
+                                              <p:pRg st="12" end="12"/>
+                                            </p:txEl>
+                                          </p:spTgt>
+                                        </p:tgtEl>
+                                        <p:attrNameLst>
+                                          <p:attrName>style.visibility</p:attrName>
+                                        </p:attrNameLst>
+                                      </p:cBhvr>
+                                      <p:to>
+                                        <p:strVal val="visible"/>
+                                      </p:to>
+                                    </p:set>
+                                  </p:childTnLst>
+                                </p:cTn>
+                              </p:par>
+                              <p:par>
+                                <p:cTn id="31" presetID="1" presetClass="entr" presetSubtype="0" fill="hold" grpId="0" nodeType="withEffect">
+                                  <p:stCondLst>
+                                    <p:cond delay="0"/>
+                                  </p:stCondLst>
+                                  <p:childTnLst>
+                                    <p:set>
+                                      <p:cBhvr>
+                                        <p:cTn id="32" dur="1" fill="hold">
+                                          <p:stCondLst>
+                                            <p:cond delay="0"/>
+                                          </p:stCondLst>
+                                        </p:cTn>
+                                        <p:tgtEl>
+                                          <p:spTgt spid="3">
+                                            <p:txEl>
+                                              <p:pRg st="13" end="13"/>
+                                            </p:txEl>
+                                          </p:spTgt>
+                                        </p:tgtEl>
+                                        <p:attrNameLst>
+                                          <p:attrName>style.visibility</p:attrName>
+                                        </p:attrNameLst>
+                                      </p:cBhvr>
+                                      <p:to>
+                                        <p:strVal val="visible"/>
+                                      </p:to>
+                                    </p:set>
+                                  </p:childTnLst>
+                                </p:cTn>
+                              </p:par>
+                            </p:childTnLst>
+                          </p:cTn>
+                        </p:par>
+                      </p:childTnLst>
+                    </p:cTn>
+                  </p:par>
+                </p:childTnLst>
+              </p:cTn>
+              <p:prevCondLst>
+                <p:cond evt="onPrev" delay="0">
+                  <p:tgtEl>
+                    <p:sldTgt/>
+                  </p:tgtEl>
+                </p:cond>
+              </p:prevCondLst>
+              <p:nextCondLst>
+                <p:cond evt="onNext" delay="0">
+                  <p:tgtEl>
+                    <p:sldTgt/>
+                  </p:tgtEl>
+                </p:cond>
+              </p:nextCondLst>
+            </p:seq>
+          </p:childTnLst>
+        </p:cTn>
+      </p:par>
+    </p:tnLst>
+    <p:bldLst>
+      <p:bldP spid="3" grpId="0" build="p"/>
+    </p:bldLst>
+  </p:timing>
 </p:sld>
 </file>
 
@@ -6299,6 +6854,274 @@
   <p:clrMapOvr>
     <a:masterClrMapping/>
   </p:clrMapOvr>
+  <p:timing>
+    <p:tnLst>
+      <p:par>
+        <p:cTn id="1" dur="indefinite" restart="never" nodeType="tmRoot">
+          <p:childTnLst>
+            <p:seq concurrent="1" nextAc="seek">
+              <p:cTn id="2" dur="indefinite" nodeType="mainSeq">
+                <p:childTnLst>
+                  <p:par>
+                    <p:cTn id="3" fill="hold">
+                      <p:stCondLst>
+                        <p:cond delay="indefinite"/>
+                      </p:stCondLst>
+                      <p:childTnLst>
+                        <p:par>
+                          <p:cTn id="4" fill="hold">
+                            <p:stCondLst>
+                              <p:cond delay="0"/>
+                            </p:stCondLst>
+                            <p:childTnLst>
+                              <p:par>
+                                <p:cTn id="5" presetID="1" presetClass="entr" presetSubtype="0" fill="hold" grpId="0" nodeType="clickEffect">
+                                  <p:stCondLst>
+                                    <p:cond delay="0"/>
+                                  </p:stCondLst>
+                                  <p:childTnLst>
+                                    <p:set>
+                                      <p:cBhvr>
+                                        <p:cTn id="6" dur="1" fill="hold">
+                                          <p:stCondLst>
+                                            <p:cond delay="0"/>
+                                          </p:stCondLst>
+                                        </p:cTn>
+                                        <p:tgtEl>
+                                          <p:spTgt spid="24">
+                                            <p:txEl>
+                                              <p:pRg st="0" end="0"/>
+                                            </p:txEl>
+                                          </p:spTgt>
+                                        </p:tgtEl>
+                                        <p:attrNameLst>
+                                          <p:attrName>style.visibility</p:attrName>
+                                        </p:attrNameLst>
+                                      </p:cBhvr>
+                                      <p:to>
+                                        <p:strVal val="visible"/>
+                                      </p:to>
+                                    </p:set>
+                                  </p:childTnLst>
+                                </p:cTn>
+                              </p:par>
+                              <p:par>
+                                <p:cTn id="7" presetID="1" presetClass="entr" presetSubtype="0" fill="hold" grpId="0" nodeType="withEffect">
+                                  <p:stCondLst>
+                                    <p:cond delay="0"/>
+                                  </p:stCondLst>
+                                  <p:childTnLst>
+                                    <p:set>
+                                      <p:cBhvr>
+                                        <p:cTn id="8" dur="1" fill="hold">
+                                          <p:stCondLst>
+                                            <p:cond delay="0"/>
+                                          </p:stCondLst>
+                                        </p:cTn>
+                                        <p:tgtEl>
+                                          <p:spTgt spid="24">
+                                            <p:txEl>
+                                              <p:pRg st="1" end="1"/>
+                                            </p:txEl>
+                                          </p:spTgt>
+                                        </p:tgtEl>
+                                        <p:attrNameLst>
+                                          <p:attrName>style.visibility</p:attrName>
+                                        </p:attrNameLst>
+                                      </p:cBhvr>
+                                      <p:to>
+                                        <p:strVal val="visible"/>
+                                      </p:to>
+                                    </p:set>
+                                  </p:childTnLst>
+                                </p:cTn>
+                              </p:par>
+                              <p:par>
+                                <p:cTn id="9" presetID="1" presetClass="entr" presetSubtype="0" fill="hold" grpId="0" nodeType="withEffect">
+                                  <p:stCondLst>
+                                    <p:cond delay="0"/>
+                                  </p:stCondLst>
+                                  <p:childTnLst>
+                                    <p:set>
+                                      <p:cBhvr>
+                                        <p:cTn id="10" dur="1" fill="hold">
+                                          <p:stCondLst>
+                                            <p:cond delay="0"/>
+                                          </p:stCondLst>
+                                        </p:cTn>
+                                        <p:tgtEl>
+                                          <p:spTgt spid="24">
+                                            <p:txEl>
+                                              <p:pRg st="2" end="2"/>
+                                            </p:txEl>
+                                          </p:spTgt>
+                                        </p:tgtEl>
+                                        <p:attrNameLst>
+                                          <p:attrName>style.visibility</p:attrName>
+                                        </p:attrNameLst>
+                                      </p:cBhvr>
+                                      <p:to>
+                                        <p:strVal val="visible"/>
+                                      </p:to>
+                                    </p:set>
+                                  </p:childTnLst>
+                                </p:cTn>
+                              </p:par>
+                              <p:par>
+                                <p:cTn id="11" presetID="1" presetClass="entr" presetSubtype="0" fill="hold" grpId="0" nodeType="withEffect">
+                                  <p:stCondLst>
+                                    <p:cond delay="0"/>
+                                  </p:stCondLst>
+                                  <p:childTnLst>
+                                    <p:set>
+                                      <p:cBhvr>
+                                        <p:cTn id="12" dur="1" fill="hold">
+                                          <p:stCondLst>
+                                            <p:cond delay="0"/>
+                                          </p:stCondLst>
+                                        </p:cTn>
+                                        <p:tgtEl>
+                                          <p:spTgt spid="24">
+                                            <p:txEl>
+                                              <p:pRg st="3" end="3"/>
+                                            </p:txEl>
+                                          </p:spTgt>
+                                        </p:tgtEl>
+                                        <p:attrNameLst>
+                                          <p:attrName>style.visibility</p:attrName>
+                                        </p:attrNameLst>
+                                      </p:cBhvr>
+                                      <p:to>
+                                        <p:strVal val="visible"/>
+                                      </p:to>
+                                    </p:set>
+                                  </p:childTnLst>
+                                </p:cTn>
+                              </p:par>
+                              <p:par>
+                                <p:cTn id="13" presetID="1" presetClass="entr" presetSubtype="0" fill="hold" grpId="0" nodeType="withEffect">
+                                  <p:stCondLst>
+                                    <p:cond delay="0"/>
+                                  </p:stCondLst>
+                                  <p:childTnLst>
+                                    <p:set>
+                                      <p:cBhvr>
+                                        <p:cTn id="14" dur="1" fill="hold">
+                                          <p:stCondLst>
+                                            <p:cond delay="0"/>
+                                          </p:stCondLst>
+                                        </p:cTn>
+                                        <p:tgtEl>
+                                          <p:spTgt spid="24">
+                                            <p:txEl>
+                                              <p:pRg st="4" end="4"/>
+                                            </p:txEl>
+                                          </p:spTgt>
+                                        </p:tgtEl>
+                                        <p:attrNameLst>
+                                          <p:attrName>style.visibility</p:attrName>
+                                        </p:attrNameLst>
+                                      </p:cBhvr>
+                                      <p:to>
+                                        <p:strVal val="visible"/>
+                                      </p:to>
+                                    </p:set>
+                                  </p:childTnLst>
+                                </p:cTn>
+                              </p:par>
+                              <p:par>
+                                <p:cTn id="15" presetID="1" presetClass="entr" presetSubtype="0" fill="hold" grpId="0" nodeType="withEffect">
+                                  <p:stCondLst>
+                                    <p:cond delay="0"/>
+                                  </p:stCondLst>
+                                  <p:childTnLst>
+                                    <p:set>
+                                      <p:cBhvr>
+                                        <p:cTn id="16" dur="1" fill="hold">
+                                          <p:stCondLst>
+                                            <p:cond delay="0"/>
+                                          </p:stCondLst>
+                                        </p:cTn>
+                                        <p:tgtEl>
+                                          <p:spTgt spid="24">
+                                            <p:txEl>
+                                              <p:pRg st="5" end="5"/>
+                                            </p:txEl>
+                                          </p:spTgt>
+                                        </p:tgtEl>
+                                        <p:attrNameLst>
+                                          <p:attrName>style.visibility</p:attrName>
+                                        </p:attrNameLst>
+                                      </p:cBhvr>
+                                      <p:to>
+                                        <p:strVal val="visible"/>
+                                      </p:to>
+                                    </p:set>
+                                  </p:childTnLst>
+                                </p:cTn>
+                              </p:par>
+                              <p:par>
+                                <p:cTn id="17" presetID="1" presetClass="entr" presetSubtype="0" fill="hold" grpId="0" nodeType="withEffect">
+                                  <p:stCondLst>
+                                    <p:cond delay="0"/>
+                                  </p:stCondLst>
+                                  <p:childTnLst>
+                                    <p:set>
+                                      <p:cBhvr>
+                                        <p:cTn id="18" dur="1" fill="hold">
+                                          <p:stCondLst>
+                                            <p:cond delay="0"/>
+                                          </p:stCondLst>
+                                        </p:cTn>
+                                        <p:tgtEl>
+                                          <p:spTgt spid="24">
+                                            <p:txEl>
+                                              <p:pRg st="6" end="6"/>
+                                            </p:txEl>
+                                          </p:spTgt>
+                                        </p:tgtEl>
+                                        <p:attrNameLst>
+                                          <p:attrName>style.visibility</p:attrName>
+                                        </p:attrNameLst>
+                                      </p:cBhvr>
+                                      <p:to>
+                                        <p:strVal val="visible"/>
+                                      </p:to>
+                                    </p:set>
+                                  </p:childTnLst>
+                                </p:cTn>
+                              </p:par>
+                            </p:childTnLst>
+                          </p:cTn>
+                        </p:par>
+                      </p:childTnLst>
+                    </p:cTn>
+                  </p:par>
+                </p:childTnLst>
+              </p:cTn>
+              <p:prevCondLst>
+                <p:cond evt="onPrev" delay="0">
+                  <p:tgtEl>
+                    <p:sldTgt/>
+                  </p:tgtEl>
+                </p:cond>
+              </p:prevCondLst>
+              <p:nextCondLst>
+                <p:cond evt="onNext" delay="0">
+                  <p:tgtEl>
+                    <p:sldTgt/>
+                  </p:tgtEl>
+                </p:cond>
+              </p:nextCondLst>
+            </p:seq>
+          </p:childTnLst>
+        </p:cTn>
+      </p:par>
+    </p:tnLst>
+    <p:bldLst>
+      <p:bldP spid="24" grpId="0" build="allAtOnce"/>
+    </p:bldLst>
+  </p:timing>
 </p:sld>
 </file>
 
